--- a/final_project_folder/VeganVsMeat.pptx
+++ b/final_project_folder/VeganVsMeat.pptx
@@ -5673,7 +5673,6 @@
               <a:rPr lang="en-US" dirty="0" smtClean="0"/>
               <a:t>Difficulty finding robust sales data</a:t>
             </a:r>
-            <a:endParaRPr lang="en-US" dirty="0" smtClean="0"/>
           </a:p>
           <a:p>
             <a:r>
@@ -5748,7 +5747,7 @@
           </a:blip>
           <a:srcRect/>
           <a:stretch>
-            <a:fillRect t="-15000" b="-15000"/>
+            <a:fillRect t="-9000" b="-9000"/>
           </a:stretch>
         </a:blipFill>
         <a:effectLst/>
@@ -6923,6 +6922,26 @@
 </file>
 
 <file path=customXml/item1.xml><?xml version="1.0" encoding="utf-8"?>
+<?mso-contentType ?>
+<FormTemplates xmlns="http://schemas.microsoft.com/sharepoint/v3/contenttype/forms">
+  <Display>DocumentLibraryForm</Display>
+  <Edit>DocumentLibraryForm</Edit>
+  <New>DocumentLibraryForm</New>
+</FormTemplates>
+</file>
+
+<file path=customXml/item2.xml><?xml version="1.0" encoding="utf-8"?>
+<p:properties xmlns:p="http://schemas.microsoft.com/office/2006/metadata/properties" xmlns:xsi="http://www.w3.org/2001/XMLSchema-instance" xmlns:pc="http://schemas.microsoft.com/office/infopath/2007/PartnerControls">
+  <documentManagement>
+    <VSO_x0020_item_x0020_id xmlns="40262f94-9f35-4ac3-9a90-690165a166b7" xsi:nil="true"/>
+    <Assetid_x0020_ xmlns="40262f94-9f35-4ac3-9a90-690165a166b7" xsi:nil="true"/>
+    <Item_x0020_Details xmlns="40262f94-9f35-4ac3-9a90-690165a166b7" xsi:nil="true"/>
+    <Template_x0020_details xmlns="40262f94-9f35-4ac3-9a90-690165a166b7" xsi:nil="true"/>
+  </documentManagement>
+</p:properties>
+</file>
+
+<file path=customXml/item3.xml><?xml version="1.0" encoding="utf-8"?>
 <ct:contentTypeSchema xmlns:ct="http://schemas.microsoft.com/office/2006/metadata/contentType" xmlns:ma="http://schemas.microsoft.com/office/2006/metadata/properties/metaAttributes" ct:_="" ma:_="" ma:contentTypeName="Document" ma:contentTypeID="0x010100AA3F7D94069FF64A86F7DFF56D60E3BE" ma:contentTypeVersion="6" ma:contentTypeDescription="Create a new document." ma:contentTypeScope="" ma:versionID="c32302c77d4085ecf495bdddb7f5e889">
   <xsd:schema xmlns:xsd="http://www.w3.org/2001/XMLSchema" xmlns:xs="http://www.w3.org/2001/XMLSchema" xmlns:p="http://schemas.microsoft.com/office/2006/metadata/properties" xmlns:ns2="a4f35948-e619-41b3-aa29-22878b09cfd2" xmlns:ns3="40262f94-9f35-4ac3-9a90-690165a166b7" targetNamespace="http://schemas.microsoft.com/office/2006/metadata/properties" ma:root="true" ma:fieldsID="4ab5ae46be95f9d0be6107e8200be7a2" ns2:_="" ns3:_="">
     <xsd:import namespace="a4f35948-e619-41b3-aa29-22878b09cfd2"/>
@@ -7103,41 +7122,10 @@
 </ct:contentTypeSchema>
 </file>
 
-<file path=customXml/item2.xml><?xml version="1.0" encoding="utf-8"?>
-<p:properties xmlns:p="http://schemas.microsoft.com/office/2006/metadata/properties" xmlns:xsi="http://www.w3.org/2001/XMLSchema-instance" xmlns:pc="http://schemas.microsoft.com/office/infopath/2007/PartnerControls">
-  <documentManagement>
-    <VSO_x0020_item_x0020_id xmlns="40262f94-9f35-4ac3-9a90-690165a166b7" xsi:nil="true"/>
-    <Assetid_x0020_ xmlns="40262f94-9f35-4ac3-9a90-690165a166b7" xsi:nil="true"/>
-    <Item_x0020_Details xmlns="40262f94-9f35-4ac3-9a90-690165a166b7" xsi:nil="true"/>
-    <Template_x0020_details xmlns="40262f94-9f35-4ac3-9a90-690165a166b7" xsi:nil="true"/>
-  </documentManagement>
-</p:properties>
-</file>
-
-<file path=customXml/item3.xml><?xml version="1.0" encoding="utf-8"?>
-<?mso-contentType ?>
-<FormTemplates xmlns="http://schemas.microsoft.com/sharepoint/v3/contenttype/forms">
-  <Display>DocumentLibraryForm</Display>
-  <Edit>DocumentLibraryForm</Edit>
-  <New>DocumentLibraryForm</New>
-</FormTemplates>
-</file>
-
 <file path=customXml/itemProps1.xml><?xml version="1.0" encoding="utf-8"?>
-<ds:datastoreItem xmlns:ds="http://schemas.openxmlformats.org/officeDocument/2006/customXml" ds:itemID="{FB14945D-DABB-422F-9B28-D299995C9226}">
+<ds:datastoreItem xmlns:ds="http://schemas.openxmlformats.org/officeDocument/2006/customXml" ds:itemID="{308942AA-0721-4324-BC2C-A3CB43F24E71}">
   <ds:schemaRefs>
-    <ds:schemaRef ds:uri="http://schemas.microsoft.com/office/2006/metadata/contentType"/>
-    <ds:schemaRef ds:uri="http://schemas.microsoft.com/office/2006/metadata/properties/metaAttributes"/>
-    <ds:schemaRef ds:uri="http://www.w3.org/2001/XMLSchema"/>
-    <ds:schemaRef ds:uri="http://schemas.microsoft.com/office/2006/metadata/properties"/>
-    <ds:schemaRef ds:uri="a4f35948-e619-41b3-aa29-22878b09cfd2"/>
-    <ds:schemaRef ds:uri="40262f94-9f35-4ac3-9a90-690165a166b7"/>
-    <ds:schemaRef ds:uri="http://schemas.microsoft.com/office/2006/documentManagement/types"/>
-    <ds:schemaRef ds:uri="http://schemas.microsoft.com/office/infopath/2007/PartnerControls"/>
-    <ds:schemaRef ds:uri="http://schemas.openxmlformats.org/package/2006/metadata/core-properties"/>
-    <ds:schemaRef ds:uri="http://purl.org/dc/elements/1.1/"/>
-    <ds:schemaRef ds:uri="http://purl.org/dc/terms/"/>
-    <ds:schemaRef ds:uri="http://schemas.microsoft.com/internal/obd"/>
+    <ds:schemaRef ds:uri="http://schemas.microsoft.com/sharepoint/v3/contenttype/forms"/>
   </ds:schemaRefs>
 </ds:datastoreItem>
 </file>
@@ -7160,9 +7148,20 @@
 </file>
 
 <file path=customXml/itemProps3.xml><?xml version="1.0" encoding="utf-8"?>
-<ds:datastoreItem xmlns:ds="http://schemas.openxmlformats.org/officeDocument/2006/customXml" ds:itemID="{308942AA-0721-4324-BC2C-A3CB43F24E71}">
+<ds:datastoreItem xmlns:ds="http://schemas.openxmlformats.org/officeDocument/2006/customXml" ds:itemID="{FB14945D-DABB-422F-9B28-D299995C9226}">
   <ds:schemaRefs>
-    <ds:schemaRef ds:uri="http://schemas.microsoft.com/sharepoint/v3/contenttype/forms"/>
+    <ds:schemaRef ds:uri="http://schemas.microsoft.com/office/2006/metadata/contentType"/>
+    <ds:schemaRef ds:uri="http://schemas.microsoft.com/office/2006/metadata/properties/metaAttributes"/>
+    <ds:schemaRef ds:uri="http://www.w3.org/2001/XMLSchema"/>
+    <ds:schemaRef ds:uri="http://schemas.microsoft.com/office/2006/metadata/properties"/>
+    <ds:schemaRef ds:uri="a4f35948-e619-41b3-aa29-22878b09cfd2"/>
+    <ds:schemaRef ds:uri="40262f94-9f35-4ac3-9a90-690165a166b7"/>
+    <ds:schemaRef ds:uri="http://schemas.microsoft.com/office/2006/documentManagement/types"/>
+    <ds:schemaRef ds:uri="http://schemas.microsoft.com/office/infopath/2007/PartnerControls"/>
+    <ds:schemaRef ds:uri="http://schemas.openxmlformats.org/package/2006/metadata/core-properties"/>
+    <ds:schemaRef ds:uri="http://purl.org/dc/elements/1.1/"/>
+    <ds:schemaRef ds:uri="http://purl.org/dc/terms/"/>
+    <ds:schemaRef ds:uri="http://schemas.microsoft.com/internal/obd"/>
   </ds:schemaRefs>
 </ds:datastoreItem>
 </file>